--- a/Hamster VS hedgehog.pptx
+++ b/Hamster VS hedgehog.pptx
@@ -9,8 +9,13 @@
     <p:sldId id="257" r:id="rId3"/>
     <p:sldId id="258" r:id="rId4"/>
     <p:sldId id="259" r:id="rId5"/>
-    <p:sldId id="260" r:id="rId6"/>
+    <p:sldId id="262" r:id="rId6"/>
     <p:sldId id="261" r:id="rId7"/>
+    <p:sldId id="263" r:id="rId8"/>
+    <p:sldId id="264" r:id="rId9"/>
+    <p:sldId id="265" r:id="rId10"/>
+    <p:sldId id="260" r:id="rId11"/>
+    <p:sldId id="266" r:id="rId12"/>
   </p:sldIdLst>
   <p:sldSz cx="12192000" cy="6858000"/>
   <p:notesSz cx="6858000" cy="9144000"/>
@@ -109,6 +114,11 @@
       </a:defRPr>
     </a:lvl9pPr>
   </p:defaultTextStyle>
+  <p:extLst>
+    <p:ext uri="{EFAFB233-063F-42B5-8137-9DF3F51BA10A}">
+      <p15:sldGuideLst xmlns:p15="http://schemas.microsoft.com/office/powerpoint/2012/main"/>
+    </p:ext>
+  </p:extLst>
 </p:presentation>
 </file>
 
@@ -259,7 +269,7 @@
           <a:p>
             <a:fld id="{A8FF3A79-81AF-4BED-BE31-8DD9376DD02E}" type="datetimeFigureOut">
               <a:rPr lang="ru-RU" smtClean="0"/>
-              <a:t>30.05.2024</a:t>
+              <a:t>31.05.2024</a:t>
             </a:fld>
             <a:endParaRPr lang="ru-RU"/>
           </a:p>
@@ -457,7 +467,7 @@
           <a:p>
             <a:fld id="{A8FF3A79-81AF-4BED-BE31-8DD9376DD02E}" type="datetimeFigureOut">
               <a:rPr lang="ru-RU" smtClean="0"/>
-              <a:t>30.05.2024</a:t>
+              <a:t>31.05.2024</a:t>
             </a:fld>
             <a:endParaRPr lang="ru-RU"/>
           </a:p>
@@ -665,7 +675,7 @@
           <a:p>
             <a:fld id="{A8FF3A79-81AF-4BED-BE31-8DD9376DD02E}" type="datetimeFigureOut">
               <a:rPr lang="ru-RU" smtClean="0"/>
-              <a:t>30.05.2024</a:t>
+              <a:t>31.05.2024</a:t>
             </a:fld>
             <a:endParaRPr lang="ru-RU"/>
           </a:p>
@@ -863,7 +873,7 @@
           <a:p>
             <a:fld id="{A8FF3A79-81AF-4BED-BE31-8DD9376DD02E}" type="datetimeFigureOut">
               <a:rPr lang="ru-RU" smtClean="0"/>
-              <a:t>30.05.2024</a:t>
+              <a:t>31.05.2024</a:t>
             </a:fld>
             <a:endParaRPr lang="ru-RU"/>
           </a:p>
@@ -1138,7 +1148,7 @@
           <a:p>
             <a:fld id="{A8FF3A79-81AF-4BED-BE31-8DD9376DD02E}" type="datetimeFigureOut">
               <a:rPr lang="ru-RU" smtClean="0"/>
-              <a:t>30.05.2024</a:t>
+              <a:t>31.05.2024</a:t>
             </a:fld>
             <a:endParaRPr lang="ru-RU"/>
           </a:p>
@@ -1403,7 +1413,7 @@
           <a:p>
             <a:fld id="{A8FF3A79-81AF-4BED-BE31-8DD9376DD02E}" type="datetimeFigureOut">
               <a:rPr lang="ru-RU" smtClean="0"/>
-              <a:t>30.05.2024</a:t>
+              <a:t>31.05.2024</a:t>
             </a:fld>
             <a:endParaRPr lang="ru-RU"/>
           </a:p>
@@ -1815,7 +1825,7 @@
           <a:p>
             <a:fld id="{A8FF3A79-81AF-4BED-BE31-8DD9376DD02E}" type="datetimeFigureOut">
               <a:rPr lang="ru-RU" smtClean="0"/>
-              <a:t>30.05.2024</a:t>
+              <a:t>31.05.2024</a:t>
             </a:fld>
             <a:endParaRPr lang="ru-RU"/>
           </a:p>
@@ -1956,7 +1966,7 @@
           <a:p>
             <a:fld id="{A8FF3A79-81AF-4BED-BE31-8DD9376DD02E}" type="datetimeFigureOut">
               <a:rPr lang="ru-RU" smtClean="0"/>
-              <a:t>30.05.2024</a:t>
+              <a:t>31.05.2024</a:t>
             </a:fld>
             <a:endParaRPr lang="ru-RU"/>
           </a:p>
@@ -2069,7 +2079,7 @@
           <a:p>
             <a:fld id="{A8FF3A79-81AF-4BED-BE31-8DD9376DD02E}" type="datetimeFigureOut">
               <a:rPr lang="ru-RU" smtClean="0"/>
-              <a:t>30.05.2024</a:t>
+              <a:t>31.05.2024</a:t>
             </a:fld>
             <a:endParaRPr lang="ru-RU"/>
           </a:p>
@@ -2380,7 +2390,7 @@
           <a:p>
             <a:fld id="{A8FF3A79-81AF-4BED-BE31-8DD9376DD02E}" type="datetimeFigureOut">
               <a:rPr lang="ru-RU" smtClean="0"/>
-              <a:t>30.05.2024</a:t>
+              <a:t>31.05.2024</a:t>
             </a:fld>
             <a:endParaRPr lang="ru-RU"/>
           </a:p>
@@ -2668,7 +2678,7 @@
           <a:p>
             <a:fld id="{A8FF3A79-81AF-4BED-BE31-8DD9376DD02E}" type="datetimeFigureOut">
               <a:rPr lang="ru-RU" smtClean="0"/>
-              <a:t>30.05.2024</a:t>
+              <a:t>31.05.2024</a:t>
             </a:fld>
             <a:endParaRPr lang="ru-RU"/>
           </a:p>
@@ -2909,7 +2919,7 @@
           <a:p>
             <a:fld id="{A8FF3A79-81AF-4BED-BE31-8DD9376DD02E}" type="datetimeFigureOut">
               <a:rPr lang="ru-RU" smtClean="0"/>
-              <a:t>30.05.2024</a:t>
+              <a:t>31.05.2024</a:t>
             </a:fld>
             <a:endParaRPr lang="ru-RU"/>
           </a:p>
@@ -3463,7 +3473,7 @@
         </p:blipFill>
         <p:spPr>
           <a:xfrm>
-            <a:off x="-1" y="1847054"/>
+            <a:off x="0" y="1741036"/>
             <a:ext cx="5698435" cy="4833730"/>
           </a:xfrm>
           <a:prstGeom prst="rect">
@@ -3475,6 +3485,344 @@
     <p:extLst>
       <p:ext uri="{BB962C8B-B14F-4D97-AF65-F5344CB8AC3E}">
         <p14:creationId xmlns:p14="http://schemas.microsoft.com/office/powerpoint/2010/main" val="3840232740"/>
+      </p:ext>
+    </p:extLst>
+  </p:cSld>
+  <p:clrMapOvr>
+    <a:masterClrMapping/>
+  </p:clrMapOvr>
+</p:sld>
+</file>
+
+<file path=ppt/slides/slide10.xml><?xml version="1.0" encoding="utf-8"?>
+<p:sld xmlns:a="http://schemas.openxmlformats.org/drawingml/2006/main" xmlns:r="http://schemas.openxmlformats.org/officeDocument/2006/relationships" xmlns:p="http://schemas.openxmlformats.org/presentationml/2006/main">
+  <p:cSld>
+    <p:spTree>
+      <p:nvGrpSpPr>
+        <p:cNvPr id="1" name=""/>
+        <p:cNvGrpSpPr/>
+        <p:nvPr/>
+      </p:nvGrpSpPr>
+      <p:grpSpPr>
+        <a:xfrm>
+          <a:off x="0" y="0"/>
+          <a:ext cx="0" cy="0"/>
+          <a:chOff x="0" y="0"/>
+          <a:chExt cx="0" cy="0"/>
+        </a:xfrm>
+      </p:grpSpPr>
+      <p:sp>
+        <p:nvSpPr>
+          <p:cNvPr id="2" name="Заголовок 1">
+            <a:extLst>
+              <a:ext uri="{FF2B5EF4-FFF2-40B4-BE49-F238E27FC236}">
+                <a16:creationId xmlns:a16="http://schemas.microsoft.com/office/drawing/2014/main" id="{41AE9579-9EEB-45BE-A362-E4C722A7A8E9}"/>
+              </a:ext>
+            </a:extLst>
+          </p:cNvPr>
+          <p:cNvSpPr>
+            <a:spLocks noGrp="1"/>
+          </p:cNvSpPr>
+          <p:nvPr>
+            <p:ph type="title"/>
+          </p:nvPr>
+        </p:nvSpPr>
+        <p:spPr/>
+        <p:txBody>
+          <a:bodyPr/>
+          <a:lstStyle/>
+          <a:p>
+            <a:r>
+              <a:rPr lang="ru-RU" dirty="0"/>
+              <a:t>Планы развития</a:t>
+            </a:r>
+            <a:r>
+              <a:rPr lang="en-US" dirty="0"/>
+              <a:t>:</a:t>
+            </a:r>
+            <a:endParaRPr lang="ru-RU" dirty="0"/>
+          </a:p>
+        </p:txBody>
+      </p:sp>
+      <p:sp>
+        <p:nvSpPr>
+          <p:cNvPr id="3" name="Объект 2">
+            <a:extLst>
+              <a:ext uri="{FF2B5EF4-FFF2-40B4-BE49-F238E27FC236}">
+                <a16:creationId xmlns:a16="http://schemas.microsoft.com/office/drawing/2014/main" id="{F80BCF60-B6E0-45FE-896F-EA8E9EEDB9AE}"/>
+              </a:ext>
+            </a:extLst>
+          </p:cNvPr>
+          <p:cNvSpPr>
+            <a:spLocks noGrp="1"/>
+          </p:cNvSpPr>
+          <p:nvPr>
+            <p:ph idx="1"/>
+          </p:nvPr>
+        </p:nvSpPr>
+        <p:spPr>
+          <a:xfrm>
+            <a:off x="838200" y="1825624"/>
+            <a:ext cx="10515600" cy="5767871"/>
+          </a:xfrm>
+        </p:spPr>
+        <p:txBody>
+          <a:bodyPr/>
+          <a:lstStyle/>
+          <a:p>
+            <a:r>
+              <a:rPr lang="ru-RU" dirty="0"/>
+              <a:t>1.Добавить магазин.</a:t>
+            </a:r>
+          </a:p>
+          <a:p>
+            <a:endParaRPr lang="ru-RU" dirty="0"/>
+          </a:p>
+          <a:p>
+            <a:r>
+              <a:rPr lang="ru-RU" dirty="0"/>
+              <a:t>2.Сделать онлайн.</a:t>
+            </a:r>
+          </a:p>
+          <a:p>
+            <a:endParaRPr lang="ru-RU" dirty="0"/>
+          </a:p>
+          <a:p>
+            <a:r>
+              <a:rPr lang="ru-RU" dirty="0"/>
+              <a:t>3.Портировать на телефон.</a:t>
+            </a:r>
+          </a:p>
+          <a:p>
+            <a:endParaRPr lang="ru-RU" dirty="0"/>
+          </a:p>
+          <a:p>
+            <a:r>
+              <a:rPr lang="ru-RU" dirty="0"/>
+              <a:t>4.Увеличить количество игроков.</a:t>
+            </a:r>
+          </a:p>
+          <a:p>
+            <a:endParaRPr lang="ru-RU" dirty="0"/>
+          </a:p>
+          <a:p>
+            <a:r>
+              <a:rPr lang="ru-RU" dirty="0"/>
+              <a:t>5.Сделать бонусы во время игры.</a:t>
+            </a:r>
+          </a:p>
+        </p:txBody>
+      </p:sp>
+      <p:pic>
+        <p:nvPicPr>
+          <p:cNvPr id="5" name="Рисунок 4">
+            <a:extLst>
+              <a:ext uri="{FF2B5EF4-FFF2-40B4-BE49-F238E27FC236}">
+                <a16:creationId xmlns:a16="http://schemas.microsoft.com/office/drawing/2014/main" id="{DEAD715B-0D0B-4B75-8DAC-B1BA5EA54D60}"/>
+              </a:ext>
+            </a:extLst>
+          </p:cNvPr>
+          <p:cNvPicPr>
+            <a:picLocks noChangeAspect="1"/>
+          </p:cNvPicPr>
+          <p:nvPr/>
+        </p:nvPicPr>
+        <p:blipFill>
+          <a:blip r:embed="rId2">
+            <a:extLst>
+              <a:ext uri="{28A0092B-C50C-407E-A947-70E740481C1C}">
+                <a14:useLocalDpi xmlns:a14="http://schemas.microsoft.com/office/drawing/2010/main" val="0"/>
+              </a:ext>
+            </a:extLst>
+          </a:blip>
+          <a:stretch>
+            <a:fillRect/>
+          </a:stretch>
+        </p:blipFill>
+        <p:spPr>
+          <a:xfrm>
+            <a:off x="4368249" y="1257816"/>
+            <a:ext cx="1634986" cy="1339610"/>
+          </a:xfrm>
+          <a:prstGeom prst="rect">
+            <a:avLst/>
+          </a:prstGeom>
+        </p:spPr>
+      </p:pic>
+      <p:pic>
+        <p:nvPicPr>
+          <p:cNvPr id="7" name="Рисунок 6">
+            <a:extLst>
+              <a:ext uri="{FF2B5EF4-FFF2-40B4-BE49-F238E27FC236}">
+                <a16:creationId xmlns:a16="http://schemas.microsoft.com/office/drawing/2014/main" id="{E73DB80C-7743-4B2B-AA54-F4F96E6497BE}"/>
+              </a:ext>
+            </a:extLst>
+          </p:cNvPr>
+          <p:cNvPicPr>
+            <a:picLocks noChangeAspect="1"/>
+          </p:cNvPicPr>
+          <p:nvPr/>
+        </p:nvPicPr>
+        <p:blipFill>
+          <a:blip r:embed="rId3">
+            <a:extLst>
+              <a:ext uri="{28A0092B-C50C-407E-A947-70E740481C1C}">
+                <a14:useLocalDpi xmlns:a14="http://schemas.microsoft.com/office/drawing/2010/main" val="0"/>
+              </a:ext>
+            </a:extLst>
+          </a:blip>
+          <a:stretch>
+            <a:fillRect/>
+          </a:stretch>
+        </p:blipFill>
+        <p:spPr>
+          <a:xfrm>
+            <a:off x="4094922" y="2583379"/>
+            <a:ext cx="2001078" cy="981456"/>
+          </a:xfrm>
+          <a:prstGeom prst="rect">
+            <a:avLst/>
+          </a:prstGeom>
+        </p:spPr>
+      </p:pic>
+      <p:pic>
+        <p:nvPicPr>
+          <p:cNvPr id="9" name="Рисунок 8">
+            <a:extLst>
+              <a:ext uri="{FF2B5EF4-FFF2-40B4-BE49-F238E27FC236}">
+                <a16:creationId xmlns:a16="http://schemas.microsoft.com/office/drawing/2014/main" id="{466B5F3D-45FE-4228-BED9-6F03CC4208E3}"/>
+              </a:ext>
+            </a:extLst>
+          </p:cNvPr>
+          <p:cNvPicPr>
+            <a:picLocks noChangeAspect="1"/>
+          </p:cNvPicPr>
+          <p:nvPr/>
+        </p:nvPicPr>
+        <p:blipFill>
+          <a:blip r:embed="rId4">
+            <a:extLst>
+              <a:ext uri="{28A0092B-C50C-407E-A947-70E740481C1C}">
+                <a14:useLocalDpi xmlns:a14="http://schemas.microsoft.com/office/drawing/2010/main" val="0"/>
+              </a:ext>
+            </a:extLst>
+          </a:blip>
+          <a:stretch>
+            <a:fillRect/>
+          </a:stretch>
+        </p:blipFill>
+        <p:spPr>
+          <a:xfrm>
+            <a:off x="4880113" y="3630300"/>
+            <a:ext cx="1692965" cy="981456"/>
+          </a:xfrm>
+          <a:prstGeom prst="rect">
+            <a:avLst/>
+          </a:prstGeom>
+        </p:spPr>
+      </p:pic>
+    </p:spTree>
+    <p:extLst>
+      <p:ext uri="{BB962C8B-B14F-4D97-AF65-F5344CB8AC3E}">
+        <p14:creationId xmlns:p14="http://schemas.microsoft.com/office/powerpoint/2010/main" val="3999638951"/>
+      </p:ext>
+    </p:extLst>
+  </p:cSld>
+  <p:clrMapOvr>
+    <a:masterClrMapping/>
+  </p:clrMapOvr>
+</p:sld>
+</file>
+
+<file path=ppt/slides/slide11.xml><?xml version="1.0" encoding="utf-8"?>
+<p:sld xmlns:a="http://schemas.openxmlformats.org/drawingml/2006/main" xmlns:r="http://schemas.openxmlformats.org/officeDocument/2006/relationships" xmlns:p="http://schemas.openxmlformats.org/presentationml/2006/main">
+  <p:cSld>
+    <p:spTree>
+      <p:nvGrpSpPr>
+        <p:cNvPr id="1" name=""/>
+        <p:cNvGrpSpPr/>
+        <p:nvPr/>
+      </p:nvGrpSpPr>
+      <p:grpSpPr>
+        <a:xfrm>
+          <a:off x="0" y="0"/>
+          <a:ext cx="0" cy="0"/>
+          <a:chOff x="0" y="0"/>
+          <a:chExt cx="0" cy="0"/>
+        </a:xfrm>
+      </p:grpSpPr>
+      <p:sp>
+        <p:nvSpPr>
+          <p:cNvPr id="2" name="Заголовок 1">
+            <a:extLst>
+              <a:ext uri="{FF2B5EF4-FFF2-40B4-BE49-F238E27FC236}">
+                <a16:creationId xmlns:a16="http://schemas.microsoft.com/office/drawing/2014/main" id="{B87B44FB-B0B6-4E51-8B76-C1AA4F3E65EA}"/>
+              </a:ext>
+            </a:extLst>
+          </p:cNvPr>
+          <p:cNvSpPr>
+            <a:spLocks noGrp="1"/>
+          </p:cNvSpPr>
+          <p:nvPr>
+            <p:ph type="title"/>
+          </p:nvPr>
+        </p:nvSpPr>
+        <p:spPr/>
+        <p:txBody>
+          <a:bodyPr/>
+          <a:lstStyle/>
+          <a:p>
+            <a:r>
+              <a:rPr lang="ru-RU" dirty="0"/>
+              <a:t>Конец</a:t>
+            </a:r>
+            <a:r>
+              <a:rPr lang="en-US" dirty="0"/>
+              <a:t>:</a:t>
+            </a:r>
+            <a:endParaRPr lang="ru-RU" dirty="0"/>
+          </a:p>
+        </p:txBody>
+      </p:sp>
+      <p:pic>
+        <p:nvPicPr>
+          <p:cNvPr id="5" name="Объект 4">
+            <a:extLst>
+              <a:ext uri="{FF2B5EF4-FFF2-40B4-BE49-F238E27FC236}">
+                <a16:creationId xmlns:a16="http://schemas.microsoft.com/office/drawing/2014/main" id="{5F262965-3C2D-4B22-909E-F0656D7A0642}"/>
+              </a:ext>
+            </a:extLst>
+          </p:cNvPr>
+          <p:cNvPicPr>
+            <a:picLocks noGrp="1" noChangeAspect="1"/>
+          </p:cNvPicPr>
+          <p:nvPr>
+            <p:ph idx="1"/>
+          </p:nvPr>
+        </p:nvPicPr>
+        <p:blipFill>
+          <a:blip r:embed="rId2">
+            <a:extLst>
+              <a:ext uri="{28A0092B-C50C-407E-A947-70E740481C1C}">
+                <a14:useLocalDpi xmlns:a14="http://schemas.microsoft.com/office/drawing/2010/main" val="0"/>
+              </a:ext>
+            </a:extLst>
+          </a:blip>
+          <a:stretch>
+            <a:fillRect/>
+          </a:stretch>
+        </p:blipFill>
+        <p:spPr>
+          <a:xfrm>
+            <a:off x="0" y="1417983"/>
+            <a:ext cx="12191999" cy="5440017"/>
+          </a:xfrm>
+        </p:spPr>
+      </p:pic>
+    </p:spTree>
+    <p:extLst>
+      <p:ext uri="{BB962C8B-B14F-4D97-AF65-F5344CB8AC3E}">
+        <p14:creationId xmlns:p14="http://schemas.microsoft.com/office/powerpoint/2010/main" val="1823146177"/>
       </p:ext>
     </p:extLst>
   </p:cSld>
@@ -3879,7 +4227,7 @@
           <p:cNvPr id="2" name="Заголовок 1">
             <a:extLst>
               <a:ext uri="{FF2B5EF4-FFF2-40B4-BE49-F238E27FC236}">
-                <a16:creationId xmlns:a16="http://schemas.microsoft.com/office/drawing/2014/main" id="{41AE9579-9EEB-45BE-A362-E4C722A7A8E9}"/>
+                <a16:creationId xmlns:a16="http://schemas.microsoft.com/office/drawing/2014/main" id="{977BD5F6-045D-46D3-9051-C77F6F84B21F}"/>
               </a:ext>
             </a:extLst>
           </p:cNvPr>
@@ -3897,7 +4245,7 @@
           <a:p>
             <a:r>
               <a:rPr lang="ru-RU" dirty="0"/>
-              <a:t>Планы развития</a:t>
+              <a:t>Игра</a:t>
             </a:r>
             <a:r>
               <a:rPr lang="en-US" dirty="0"/>
@@ -3907,88 +4255,21 @@
           </a:p>
         </p:txBody>
       </p:sp>
-      <p:sp>
-        <p:nvSpPr>
-          <p:cNvPr id="3" name="Объект 2">
-            <a:extLst>
-              <a:ext uri="{FF2B5EF4-FFF2-40B4-BE49-F238E27FC236}">
-                <a16:creationId xmlns:a16="http://schemas.microsoft.com/office/drawing/2014/main" id="{F80BCF60-B6E0-45FE-896F-EA8E9EEDB9AE}"/>
-              </a:ext>
-            </a:extLst>
-          </p:cNvPr>
-          <p:cNvSpPr>
-            <a:spLocks noGrp="1"/>
-          </p:cNvSpPr>
-          <p:nvPr>
-            <p:ph idx="1"/>
-          </p:nvPr>
-        </p:nvSpPr>
-        <p:spPr>
-          <a:xfrm>
-            <a:off x="838200" y="1825624"/>
-            <a:ext cx="10515600" cy="5767871"/>
-          </a:xfrm>
-        </p:spPr>
-        <p:txBody>
-          <a:bodyPr/>
-          <a:lstStyle/>
-          <a:p>
-            <a:r>
-              <a:rPr lang="ru-RU" dirty="0"/>
-              <a:t>1.Добавить магазин.</a:t>
-            </a:r>
-          </a:p>
-          <a:p>
-            <a:endParaRPr lang="ru-RU" dirty="0"/>
-          </a:p>
-          <a:p>
-            <a:r>
-              <a:rPr lang="ru-RU" dirty="0"/>
-              <a:t>2.Сделать онлайн.</a:t>
-            </a:r>
-          </a:p>
-          <a:p>
-            <a:endParaRPr lang="ru-RU" dirty="0"/>
-          </a:p>
-          <a:p>
-            <a:r>
-              <a:rPr lang="ru-RU" dirty="0"/>
-              <a:t>3.Портировать на телефон.</a:t>
-            </a:r>
-          </a:p>
-          <a:p>
-            <a:endParaRPr lang="ru-RU" dirty="0"/>
-          </a:p>
-          <a:p>
-            <a:r>
-              <a:rPr lang="ru-RU" dirty="0"/>
-              <a:t>4.Увеличить количество игроков.</a:t>
-            </a:r>
-          </a:p>
-          <a:p>
-            <a:endParaRPr lang="ru-RU" dirty="0"/>
-          </a:p>
-          <a:p>
-            <a:r>
-              <a:rPr lang="ru-RU" dirty="0"/>
-              <a:t>5.Сделать бонусы во время игры.</a:t>
-            </a:r>
-          </a:p>
-        </p:txBody>
-      </p:sp>
       <p:pic>
         <p:nvPicPr>
-          <p:cNvPr id="5" name="Рисунок 4">
-            <a:extLst>
-              <a:ext uri="{FF2B5EF4-FFF2-40B4-BE49-F238E27FC236}">
-                <a16:creationId xmlns:a16="http://schemas.microsoft.com/office/drawing/2014/main" id="{DEAD715B-0D0B-4B75-8DAC-B1BA5EA54D60}"/>
+          <p:cNvPr id="7" name="Объект 6">
+            <a:extLst>
+              <a:ext uri="{FF2B5EF4-FFF2-40B4-BE49-F238E27FC236}">
+                <a16:creationId xmlns:a16="http://schemas.microsoft.com/office/drawing/2014/main" id="{E1BCB6FC-5207-4710-8C62-BF851694F9D3}"/>
               </a:ext>
             </a:extLst>
           </p:cNvPr>
           <p:cNvPicPr>
-            <a:picLocks noChangeAspect="1"/>
+            <a:picLocks noGrp="1" noChangeAspect="1"/>
           </p:cNvPicPr>
-          <p:nvPr/>
+          <p:nvPr>
+            <p:ph idx="1"/>
+          </p:nvPr>
         </p:nvPicPr>
         <p:blipFill>
           <a:blip r:embed="rId2">
@@ -4004,90 +4285,15 @@
         </p:blipFill>
         <p:spPr>
           <a:xfrm>
-            <a:off x="4368249" y="1257816"/>
-            <a:ext cx="1634986" cy="1339610"/>
+            <a:off x="0" y="1690688"/>
+            <a:ext cx="12191999" cy="5167311"/>
           </a:xfrm>
-          <a:prstGeom prst="rect">
-            <a:avLst/>
-          </a:prstGeom>
-        </p:spPr>
-      </p:pic>
-      <p:pic>
-        <p:nvPicPr>
-          <p:cNvPr id="7" name="Рисунок 6">
-            <a:extLst>
-              <a:ext uri="{FF2B5EF4-FFF2-40B4-BE49-F238E27FC236}">
-                <a16:creationId xmlns:a16="http://schemas.microsoft.com/office/drawing/2014/main" id="{E73DB80C-7743-4B2B-AA54-F4F96E6497BE}"/>
-              </a:ext>
-            </a:extLst>
-          </p:cNvPr>
-          <p:cNvPicPr>
-            <a:picLocks noChangeAspect="1"/>
-          </p:cNvPicPr>
-          <p:nvPr/>
-        </p:nvPicPr>
-        <p:blipFill>
-          <a:blip r:embed="rId3">
-            <a:extLst>
-              <a:ext uri="{28A0092B-C50C-407E-A947-70E740481C1C}">
-                <a14:useLocalDpi xmlns:a14="http://schemas.microsoft.com/office/drawing/2010/main" val="0"/>
-              </a:ext>
-            </a:extLst>
-          </a:blip>
-          <a:stretch>
-            <a:fillRect/>
-          </a:stretch>
-        </p:blipFill>
-        <p:spPr>
-          <a:xfrm>
-            <a:off x="4094922" y="2583379"/>
-            <a:ext cx="2001078" cy="981456"/>
-          </a:xfrm>
-          <a:prstGeom prst="rect">
-            <a:avLst/>
-          </a:prstGeom>
-        </p:spPr>
-      </p:pic>
-      <p:pic>
-        <p:nvPicPr>
-          <p:cNvPr id="9" name="Рисунок 8">
-            <a:extLst>
-              <a:ext uri="{FF2B5EF4-FFF2-40B4-BE49-F238E27FC236}">
-                <a16:creationId xmlns:a16="http://schemas.microsoft.com/office/drawing/2014/main" id="{466B5F3D-45FE-4228-BED9-6F03CC4208E3}"/>
-              </a:ext>
-            </a:extLst>
-          </p:cNvPr>
-          <p:cNvPicPr>
-            <a:picLocks noChangeAspect="1"/>
-          </p:cNvPicPr>
-          <p:nvPr/>
-        </p:nvPicPr>
-        <p:blipFill>
-          <a:blip r:embed="rId4">
-            <a:extLst>
-              <a:ext uri="{28A0092B-C50C-407E-A947-70E740481C1C}">
-                <a14:useLocalDpi xmlns:a14="http://schemas.microsoft.com/office/drawing/2010/main" val="0"/>
-              </a:ext>
-            </a:extLst>
-          </a:blip>
-          <a:stretch>
-            <a:fillRect/>
-          </a:stretch>
-        </p:blipFill>
-        <p:spPr>
-          <a:xfrm>
-            <a:off x="4880113" y="3630300"/>
-            <a:ext cx="1692965" cy="981456"/>
-          </a:xfrm>
-          <a:prstGeom prst="rect">
-            <a:avLst/>
-          </a:prstGeom>
         </p:spPr>
       </p:pic>
     </p:spTree>
     <p:extLst>
       <p:ext uri="{BB962C8B-B14F-4D97-AF65-F5344CB8AC3E}">
-        <p14:creationId xmlns:p14="http://schemas.microsoft.com/office/powerpoint/2010/main" val="3999638951"/>
+        <p14:creationId xmlns:p14="http://schemas.microsoft.com/office/powerpoint/2010/main" val="1484992703"/>
       </p:ext>
     </p:extLst>
   </p:cSld>
@@ -4130,44 +4336,367 @@
             <p:ph type="title"/>
           </p:nvPr>
         </p:nvSpPr>
-        <p:spPr/>
-        <p:txBody>
-          <a:bodyPr/>
-          <a:lstStyle/>
-          <a:p>
-            <a:endParaRPr lang="ru-RU"/>
-          </a:p>
-        </p:txBody>
-      </p:sp>
-      <p:sp>
-        <p:nvSpPr>
-          <p:cNvPr id="3" name="Объект 2">
-            <a:extLst>
-              <a:ext uri="{FF2B5EF4-FFF2-40B4-BE49-F238E27FC236}">
-                <a16:creationId xmlns:a16="http://schemas.microsoft.com/office/drawing/2014/main" id="{16D271C3-2E3B-4AD0-A3A9-BDD6EEA7E1E8}"/>
-              </a:ext>
-            </a:extLst>
-          </p:cNvPr>
-          <p:cNvSpPr>
-            <a:spLocks noGrp="1"/>
-          </p:cNvSpPr>
+        <p:spPr>
+          <a:xfrm>
+            <a:off x="0" y="-1"/>
+            <a:ext cx="5592416" cy="2107097"/>
+          </a:xfrm>
+        </p:spPr>
+        <p:txBody>
+          <a:bodyPr>
+            <a:normAutofit fontScale="90000"/>
+          </a:bodyPr>
+          <a:lstStyle/>
+          <a:p>
+            <a:r>
+              <a:rPr lang="ru-RU" dirty="0"/>
+              <a:t>Они гонятся за яблоком по стрелочкам или </a:t>
+            </a:r>
+            <a:r>
+              <a:rPr lang="en-US" dirty="0" err="1"/>
+              <a:t>w,s,d,a</a:t>
+            </a:r>
+            <a:r>
+              <a:rPr lang="en-US" dirty="0"/>
+              <a:t>.</a:t>
+            </a:r>
+            <a:endParaRPr lang="ru-RU" dirty="0"/>
+          </a:p>
+        </p:txBody>
+      </p:sp>
+      <p:pic>
+        <p:nvPicPr>
+          <p:cNvPr id="5" name="Объект 4">
+            <a:extLst>
+              <a:ext uri="{FF2B5EF4-FFF2-40B4-BE49-F238E27FC236}">
+                <a16:creationId xmlns:a16="http://schemas.microsoft.com/office/drawing/2014/main" id="{CD1C3399-DFF1-4813-87D6-353B03B1D5F9}"/>
+              </a:ext>
+            </a:extLst>
+          </p:cNvPr>
+          <p:cNvPicPr>
+            <a:picLocks noGrp="1" noChangeAspect="1"/>
+          </p:cNvPicPr>
           <p:nvPr>
             <p:ph idx="1"/>
           </p:nvPr>
-        </p:nvSpPr>
-        <p:spPr/>
-        <p:txBody>
-          <a:bodyPr/>
-          <a:lstStyle/>
-          <a:p>
-            <a:endParaRPr lang="ru-RU"/>
-          </a:p>
-        </p:txBody>
-      </p:sp>
+        </p:nvPicPr>
+        <p:blipFill>
+          <a:blip r:embed="rId2">
+            <a:extLst>
+              <a:ext uri="{28A0092B-C50C-407E-A947-70E740481C1C}">
+                <a14:useLocalDpi xmlns:a14="http://schemas.microsoft.com/office/drawing/2010/main" val="0"/>
+              </a:ext>
+            </a:extLst>
+          </a:blip>
+          <a:stretch>
+            <a:fillRect/>
+          </a:stretch>
+        </p:blipFill>
+        <p:spPr>
+          <a:xfrm>
+            <a:off x="0" y="2107096"/>
+            <a:ext cx="12192000" cy="4750904"/>
+          </a:xfrm>
+        </p:spPr>
+      </p:pic>
     </p:spTree>
     <p:extLst>
       <p:ext uri="{BB962C8B-B14F-4D97-AF65-F5344CB8AC3E}">
         <p14:creationId xmlns:p14="http://schemas.microsoft.com/office/powerpoint/2010/main" val="318602480"/>
+      </p:ext>
+    </p:extLst>
+  </p:cSld>
+  <p:clrMapOvr>
+    <a:masterClrMapping/>
+  </p:clrMapOvr>
+</p:sld>
+</file>
+
+<file path=ppt/slides/slide7.xml><?xml version="1.0" encoding="utf-8"?>
+<p:sld xmlns:a="http://schemas.openxmlformats.org/drawingml/2006/main" xmlns:r="http://schemas.openxmlformats.org/officeDocument/2006/relationships" xmlns:p="http://schemas.openxmlformats.org/presentationml/2006/main">
+  <p:cSld>
+    <p:spTree>
+      <p:nvGrpSpPr>
+        <p:cNvPr id="1" name=""/>
+        <p:cNvGrpSpPr/>
+        <p:nvPr/>
+      </p:nvGrpSpPr>
+      <p:grpSpPr>
+        <a:xfrm>
+          <a:off x="0" y="0"/>
+          <a:ext cx="0" cy="0"/>
+          <a:chOff x="0" y="0"/>
+          <a:chExt cx="0" cy="0"/>
+        </a:xfrm>
+      </p:grpSpPr>
+      <p:sp>
+        <p:nvSpPr>
+          <p:cNvPr id="2" name="Заголовок 1">
+            <a:extLst>
+              <a:ext uri="{FF2B5EF4-FFF2-40B4-BE49-F238E27FC236}">
+                <a16:creationId xmlns:a16="http://schemas.microsoft.com/office/drawing/2014/main" id="{EB0245DC-E420-4C81-8F75-AEF9407A6D87}"/>
+              </a:ext>
+            </a:extLst>
+          </p:cNvPr>
+          <p:cNvSpPr>
+            <a:spLocks noGrp="1"/>
+          </p:cNvSpPr>
+          <p:nvPr>
+            <p:ph type="title"/>
+          </p:nvPr>
+        </p:nvSpPr>
+        <p:spPr/>
+        <p:txBody>
+          <a:bodyPr/>
+          <a:lstStyle/>
+          <a:p>
+            <a:r>
+              <a:rPr lang="ru-RU" dirty="0"/>
+              <a:t>Ходьба игрока 1</a:t>
+            </a:r>
+            <a:r>
+              <a:rPr lang="en-US" dirty="0"/>
+              <a:t>:</a:t>
+            </a:r>
+            <a:endParaRPr lang="ru-RU" dirty="0"/>
+          </a:p>
+        </p:txBody>
+      </p:sp>
+      <p:pic>
+        <p:nvPicPr>
+          <p:cNvPr id="7" name="Объект 6">
+            <a:extLst>
+              <a:ext uri="{FF2B5EF4-FFF2-40B4-BE49-F238E27FC236}">
+                <a16:creationId xmlns:a16="http://schemas.microsoft.com/office/drawing/2014/main" id="{4AC35B83-A20C-485C-A224-9FF26E20F784}"/>
+              </a:ext>
+            </a:extLst>
+          </p:cNvPr>
+          <p:cNvPicPr>
+            <a:picLocks noGrp="1" noChangeAspect="1"/>
+          </p:cNvPicPr>
+          <p:nvPr>
+            <p:ph idx="1"/>
+          </p:nvPr>
+        </p:nvPicPr>
+        <p:blipFill>
+          <a:blip r:embed="rId2">
+            <a:extLst>
+              <a:ext uri="{28A0092B-C50C-407E-A947-70E740481C1C}">
+                <a14:useLocalDpi xmlns:a14="http://schemas.microsoft.com/office/drawing/2010/main" val="0"/>
+              </a:ext>
+            </a:extLst>
+          </a:blip>
+          <a:stretch>
+            <a:fillRect/>
+          </a:stretch>
+        </p:blipFill>
+        <p:spPr>
+          <a:xfrm>
+            <a:off x="0" y="1298714"/>
+            <a:ext cx="12191999" cy="5559286"/>
+          </a:xfrm>
+        </p:spPr>
+      </p:pic>
+    </p:spTree>
+    <p:extLst>
+      <p:ext uri="{BB962C8B-B14F-4D97-AF65-F5344CB8AC3E}">
+        <p14:creationId xmlns:p14="http://schemas.microsoft.com/office/powerpoint/2010/main" val="3964485172"/>
+      </p:ext>
+    </p:extLst>
+  </p:cSld>
+  <p:clrMapOvr>
+    <a:masterClrMapping/>
+  </p:clrMapOvr>
+</p:sld>
+</file>
+
+<file path=ppt/slides/slide8.xml><?xml version="1.0" encoding="utf-8"?>
+<p:sld xmlns:a="http://schemas.openxmlformats.org/drawingml/2006/main" xmlns:r="http://schemas.openxmlformats.org/officeDocument/2006/relationships" xmlns:p="http://schemas.openxmlformats.org/presentationml/2006/main">
+  <p:cSld>
+    <p:spTree>
+      <p:nvGrpSpPr>
+        <p:cNvPr id="1" name=""/>
+        <p:cNvGrpSpPr/>
+        <p:nvPr/>
+      </p:nvGrpSpPr>
+      <p:grpSpPr>
+        <a:xfrm>
+          <a:off x="0" y="0"/>
+          <a:ext cx="0" cy="0"/>
+          <a:chOff x="0" y="0"/>
+          <a:chExt cx="0" cy="0"/>
+        </a:xfrm>
+      </p:grpSpPr>
+      <p:sp>
+        <p:nvSpPr>
+          <p:cNvPr id="2" name="Заголовок 1">
+            <a:extLst>
+              <a:ext uri="{FF2B5EF4-FFF2-40B4-BE49-F238E27FC236}">
+                <a16:creationId xmlns:a16="http://schemas.microsoft.com/office/drawing/2014/main" id="{B63526F0-5E95-4981-8CC3-1B6A14D1E63E}"/>
+              </a:ext>
+            </a:extLst>
+          </p:cNvPr>
+          <p:cNvSpPr>
+            <a:spLocks noGrp="1"/>
+          </p:cNvSpPr>
+          <p:nvPr>
+            <p:ph type="title"/>
+          </p:nvPr>
+        </p:nvSpPr>
+        <p:spPr/>
+        <p:txBody>
+          <a:bodyPr/>
+          <a:lstStyle/>
+          <a:p>
+            <a:r>
+              <a:rPr lang="ru-RU" dirty="0"/>
+              <a:t>Ходьба игрока 2</a:t>
+            </a:r>
+            <a:r>
+              <a:rPr lang="en-US" dirty="0"/>
+              <a:t>:</a:t>
+            </a:r>
+            <a:endParaRPr lang="ru-RU" dirty="0"/>
+          </a:p>
+        </p:txBody>
+      </p:sp>
+      <p:pic>
+        <p:nvPicPr>
+          <p:cNvPr id="5" name="Объект 4">
+            <a:extLst>
+              <a:ext uri="{FF2B5EF4-FFF2-40B4-BE49-F238E27FC236}">
+                <a16:creationId xmlns:a16="http://schemas.microsoft.com/office/drawing/2014/main" id="{4E7E0D49-585F-4988-9392-64D80F7AC6CC}"/>
+              </a:ext>
+            </a:extLst>
+          </p:cNvPr>
+          <p:cNvPicPr>
+            <a:picLocks noGrp="1" noChangeAspect="1"/>
+          </p:cNvPicPr>
+          <p:nvPr>
+            <p:ph idx="1"/>
+          </p:nvPr>
+        </p:nvPicPr>
+        <p:blipFill>
+          <a:blip r:embed="rId2">
+            <a:extLst>
+              <a:ext uri="{28A0092B-C50C-407E-A947-70E740481C1C}">
+                <a14:useLocalDpi xmlns:a14="http://schemas.microsoft.com/office/drawing/2010/main" val="0"/>
+              </a:ext>
+            </a:extLst>
+          </a:blip>
+          <a:stretch>
+            <a:fillRect/>
+          </a:stretch>
+        </p:blipFill>
+        <p:spPr>
+          <a:xfrm>
+            <a:off x="0" y="1364974"/>
+            <a:ext cx="12191999" cy="5493025"/>
+          </a:xfrm>
+        </p:spPr>
+      </p:pic>
+    </p:spTree>
+    <p:extLst>
+      <p:ext uri="{BB962C8B-B14F-4D97-AF65-F5344CB8AC3E}">
+        <p14:creationId xmlns:p14="http://schemas.microsoft.com/office/powerpoint/2010/main" val="1139790940"/>
+      </p:ext>
+    </p:extLst>
+  </p:cSld>
+  <p:clrMapOvr>
+    <a:masterClrMapping/>
+  </p:clrMapOvr>
+</p:sld>
+</file>
+
+<file path=ppt/slides/slide9.xml><?xml version="1.0" encoding="utf-8"?>
+<p:sld xmlns:a="http://schemas.openxmlformats.org/drawingml/2006/main" xmlns:r="http://schemas.openxmlformats.org/officeDocument/2006/relationships" xmlns:p="http://schemas.openxmlformats.org/presentationml/2006/main">
+  <p:cSld>
+    <p:spTree>
+      <p:nvGrpSpPr>
+        <p:cNvPr id="1" name=""/>
+        <p:cNvGrpSpPr/>
+        <p:nvPr/>
+      </p:nvGrpSpPr>
+      <p:grpSpPr>
+        <a:xfrm>
+          <a:off x="0" y="0"/>
+          <a:ext cx="0" cy="0"/>
+          <a:chOff x="0" y="0"/>
+          <a:chExt cx="0" cy="0"/>
+        </a:xfrm>
+      </p:grpSpPr>
+      <p:sp>
+        <p:nvSpPr>
+          <p:cNvPr id="2" name="Заголовок 1">
+            <a:extLst>
+              <a:ext uri="{FF2B5EF4-FFF2-40B4-BE49-F238E27FC236}">
+                <a16:creationId xmlns:a16="http://schemas.microsoft.com/office/drawing/2014/main" id="{4136CA07-E81C-4219-8175-39EE5E0CB0D6}"/>
+              </a:ext>
+            </a:extLst>
+          </p:cNvPr>
+          <p:cNvSpPr>
+            <a:spLocks noGrp="1"/>
+          </p:cNvSpPr>
+          <p:nvPr>
+            <p:ph type="title"/>
+          </p:nvPr>
+        </p:nvSpPr>
+        <p:spPr/>
+        <p:txBody>
+          <a:bodyPr/>
+          <a:lstStyle/>
+          <a:p>
+            <a:r>
+              <a:rPr lang="ru-RU" dirty="0"/>
+              <a:t>База данных</a:t>
+            </a:r>
+            <a:r>
+              <a:rPr lang="en-US" dirty="0"/>
+              <a:t>:</a:t>
+            </a:r>
+            <a:endParaRPr lang="ru-RU" dirty="0"/>
+          </a:p>
+        </p:txBody>
+      </p:sp>
+      <p:pic>
+        <p:nvPicPr>
+          <p:cNvPr id="5" name="Объект 4">
+            <a:extLst>
+              <a:ext uri="{FF2B5EF4-FFF2-40B4-BE49-F238E27FC236}">
+                <a16:creationId xmlns:a16="http://schemas.microsoft.com/office/drawing/2014/main" id="{7FC44E2B-BD57-4FCD-A6CB-22DA5D2D4DB7}"/>
+              </a:ext>
+            </a:extLst>
+          </p:cNvPr>
+          <p:cNvPicPr>
+            <a:picLocks noGrp="1" noChangeAspect="1"/>
+          </p:cNvPicPr>
+          <p:nvPr>
+            <p:ph idx="1"/>
+          </p:nvPr>
+        </p:nvPicPr>
+        <p:blipFill>
+          <a:blip r:embed="rId2">
+            <a:extLst>
+              <a:ext uri="{28A0092B-C50C-407E-A947-70E740481C1C}">
+                <a14:useLocalDpi xmlns:a14="http://schemas.microsoft.com/office/drawing/2010/main" val="0"/>
+              </a:ext>
+            </a:extLst>
+          </a:blip>
+          <a:stretch>
+            <a:fillRect/>
+          </a:stretch>
+        </p:blipFill>
+        <p:spPr>
+          <a:xfrm>
+            <a:off x="0" y="1258958"/>
+            <a:ext cx="12205252" cy="5599042"/>
+          </a:xfrm>
+        </p:spPr>
+      </p:pic>
+    </p:spTree>
+    <p:extLst>
+      <p:ext uri="{BB962C8B-B14F-4D97-AF65-F5344CB8AC3E}">
+        <p14:creationId xmlns:p14="http://schemas.microsoft.com/office/powerpoint/2010/main" val="3764890464"/>
       </p:ext>
     </p:extLst>
   </p:cSld>
